--- a/docs/final presentation.pptx
+++ b/docs/final presentation.pptx
@@ -887,23 +887,23 @@
           <a:p>
             <a:r>
               <a:rPr lang="ko-KR" altLang="en-US" baseline="0" dirty="0" smtClean="0"/>
-              <a:t>또 </a:t>
-            </a:r>
-            <a:r>
-              <a:rPr lang="ko-KR" altLang="en-US" baseline="0" smtClean="0"/>
-              <a:t>정창호님은 </a:t>
-            </a:r>
-            <a:r>
-              <a:rPr lang="ko-KR" altLang="en-US" baseline="0" smtClean="0"/>
-              <a:t>프로젝트 문서화로 팀원 모두 세부 구조에 대해 이해하고 개발하는 경험이 신선했다</a:t>
-            </a:r>
-            <a:r>
-              <a:rPr lang="en-US" altLang="ko-KR" baseline="0" smtClean="0"/>
-              <a:t>. </a:t>
-            </a:r>
-            <a:r>
-              <a:rPr lang="ko-KR" altLang="en-US" baseline="0" smtClean="0"/>
-              <a:t>좋은 팀원들이 어떤 방식으로 일하는지 보고 배울 수 있었다라고 </a:t>
+              <a:t>또 정창호님은 프로젝트 문서화로 팀원 모두 세부 구조에 대해 이해하고 개발하는 경험이 </a:t>
+            </a:r>
+            <a:r>
+              <a:rPr lang="ko-KR" altLang="en-US" baseline="0" dirty="0" smtClean="0"/>
+              <a:t>신선했고</a:t>
+            </a:r>
+            <a:r>
+              <a:rPr lang="en-US" altLang="ko-KR" baseline="0" dirty="0" smtClean="0"/>
+              <a:t> </a:t>
+            </a:r>
+            <a:r>
+              <a:rPr lang="ko-KR" altLang="en-US" baseline="0" dirty="0" smtClean="0"/>
+              <a:t>좋은 팀원들이 어떤 방식으로 일하는지 보고 배울 수 </a:t>
+            </a:r>
+            <a:r>
+              <a:rPr lang="ko-KR" altLang="en-US" baseline="0" dirty="0" smtClean="0"/>
+              <a:t>있었다고 </a:t>
             </a:r>
             <a:r>
               <a:rPr lang="ko-KR" altLang="en-US" baseline="0" dirty="0" smtClean="0"/>
@@ -1756,11 +1756,7 @@
             </a:r>
             <a:r>
               <a:rPr lang="ko-KR" altLang="en-US" smtClean="0"/>
-              <a:t>소비자들이 </a:t>
-            </a:r>
-            <a:r>
-              <a:rPr lang="ko-KR" altLang="en-US" smtClean="0"/>
-              <a:t>평가를 기반으로 전체적인 </a:t>
+              <a:t>소비자들이 평가를 기반으로 전체적인 </a:t>
             </a:r>
             <a:r>
               <a:rPr lang="ko-KR" altLang="en-US" dirty="0" smtClean="0"/>
@@ -1790,11 +1786,7 @@
             </a:r>
             <a:r>
               <a:rPr lang="ko-KR" altLang="en-US" smtClean="0"/>
-              <a:t>있게 </a:t>
-            </a:r>
-            <a:r>
-              <a:rPr lang="ko-KR" altLang="en-US" smtClean="0"/>
-              <a:t>만들었습니다</a:t>
+              <a:t>있게 만들었습니다</a:t>
             </a:r>
             <a:r>
               <a:rPr lang="en-US" altLang="ko-KR" smtClean="0"/>
@@ -9996,7 +9988,7 @@
           <p:cNvPr id="15" name="TextBox 14">
             <a:extLst>
               <a:ext uri="{FF2B5EF4-FFF2-40B4-BE49-F238E27FC236}">
-                <a16:creationId xmlns="" xmlns:a16="http://schemas.microsoft.com/office/drawing/2014/main" id="{7ADFF66A-F81C-4568-8F9E-37AF2FE5E09E}"/>
+                <a16:creationId xmlns:a16="http://schemas.microsoft.com/office/drawing/2014/main" xmlns="" id="{7ADFF66A-F81C-4568-8F9E-37AF2FE5E09E}"/>
               </a:ext>
             </a:extLst>
           </p:cNvPr>
@@ -10039,7 +10031,7 @@
           <p:cNvPr id="68" name="그룹 67">
             <a:extLst>
               <a:ext uri="{FF2B5EF4-FFF2-40B4-BE49-F238E27FC236}">
-                <a16:creationId xmlns="" xmlns:a16="http://schemas.microsoft.com/office/drawing/2014/main" id="{647FDAC2-1151-471B-9482-506B4E2124D9}"/>
+                <a16:creationId xmlns:a16="http://schemas.microsoft.com/office/drawing/2014/main" xmlns="" id="{647FDAC2-1151-471B-9482-506B4E2124D9}"/>
               </a:ext>
             </a:extLst>
           </p:cNvPr>
@@ -10059,7 +10051,7 @@
             <p:cNvPr id="69" name="사각형: 둥근 모서리 8">
               <a:extLst>
                 <a:ext uri="{FF2B5EF4-FFF2-40B4-BE49-F238E27FC236}">
-                  <a16:creationId xmlns="" xmlns:a16="http://schemas.microsoft.com/office/drawing/2014/main" id="{38139985-F140-4CA5-9BDD-3E19C5EE5EEF}"/>
+                  <a16:creationId xmlns:a16="http://schemas.microsoft.com/office/drawing/2014/main" xmlns="" id="{38139985-F140-4CA5-9BDD-3E19C5EE5EEF}"/>
                 </a:ext>
               </a:extLst>
             </p:cNvPr>
@@ -10278,7 +10270,7 @@
             <p:cNvPr id="70" name="TextBox 69">
               <a:extLst>
                 <a:ext uri="{FF2B5EF4-FFF2-40B4-BE49-F238E27FC236}">
-                  <a16:creationId xmlns="" xmlns:a16="http://schemas.microsoft.com/office/drawing/2014/main" id="{4B2C723F-6E76-408B-9E69-AD3EA5D1DFD1}"/>
+                  <a16:creationId xmlns:a16="http://schemas.microsoft.com/office/drawing/2014/main" xmlns="" id="{4B2C723F-6E76-408B-9E69-AD3EA5D1DFD1}"/>
                 </a:ext>
               </a:extLst>
             </p:cNvPr>
@@ -10328,7 +10320,7 @@
           <p:cNvPr id="74" name="그룹 73">
             <a:extLst>
               <a:ext uri="{FF2B5EF4-FFF2-40B4-BE49-F238E27FC236}">
-                <a16:creationId xmlns="" xmlns:a16="http://schemas.microsoft.com/office/drawing/2014/main" id="{DB47AC19-6E33-49BE-A286-5815165FDFE8}"/>
+                <a16:creationId xmlns:a16="http://schemas.microsoft.com/office/drawing/2014/main" xmlns="" id="{DB47AC19-6E33-49BE-A286-5815165FDFE8}"/>
               </a:ext>
             </a:extLst>
           </p:cNvPr>
@@ -10348,7 +10340,7 @@
             <p:cNvPr id="75" name="사각형: 둥근 모서리 26">
               <a:extLst>
                 <a:ext uri="{FF2B5EF4-FFF2-40B4-BE49-F238E27FC236}">
-                  <a16:creationId xmlns="" xmlns:a16="http://schemas.microsoft.com/office/drawing/2014/main" id="{661E1ED7-E128-43B1-A3F9-C5B17DA464CD}"/>
+                  <a16:creationId xmlns:a16="http://schemas.microsoft.com/office/drawing/2014/main" xmlns="" id="{661E1ED7-E128-43B1-A3F9-C5B17DA464CD}"/>
                 </a:ext>
               </a:extLst>
             </p:cNvPr>
@@ -10480,7 +10472,7 @@
             <p:cNvPr id="76" name="TextBox 75">
               <a:extLst>
                 <a:ext uri="{FF2B5EF4-FFF2-40B4-BE49-F238E27FC236}">
-                  <a16:creationId xmlns="" xmlns:a16="http://schemas.microsoft.com/office/drawing/2014/main" id="{64950E66-0A38-4848-9E77-79D7B03F5B1B}"/>
+                  <a16:creationId xmlns:a16="http://schemas.microsoft.com/office/drawing/2014/main" xmlns="" id="{64950E66-0A38-4848-9E77-79D7B03F5B1B}"/>
                 </a:ext>
               </a:extLst>
             </p:cNvPr>
@@ -10530,7 +10522,7 @@
           <p:cNvPr id="80" name="사각형: 둥근 모서리 8">
             <a:extLst>
               <a:ext uri="{FF2B5EF4-FFF2-40B4-BE49-F238E27FC236}">
-                <a16:creationId xmlns="" xmlns:a16="http://schemas.microsoft.com/office/drawing/2014/main" id="{38139985-F140-4CA5-9BDD-3E19C5EE5EEF}"/>
+                <a16:creationId xmlns:a16="http://schemas.microsoft.com/office/drawing/2014/main" xmlns="" id="{38139985-F140-4CA5-9BDD-3E19C5EE5EEF}"/>
               </a:ext>
             </a:extLst>
           </p:cNvPr>
@@ -10677,7 +10669,7 @@
           <p:cNvPr id="81" name="TextBox 80">
             <a:extLst>
               <a:ext uri="{FF2B5EF4-FFF2-40B4-BE49-F238E27FC236}">
-                <a16:creationId xmlns="" xmlns:a16="http://schemas.microsoft.com/office/drawing/2014/main" id="{4B2C723F-6E76-408B-9E69-AD3EA5D1DFD1}"/>
+                <a16:creationId xmlns:a16="http://schemas.microsoft.com/office/drawing/2014/main" xmlns="" id="{4B2C723F-6E76-408B-9E69-AD3EA5D1DFD1}"/>
               </a:ext>
             </a:extLst>
           </p:cNvPr>
@@ -10726,7 +10718,7 @@
           <p:cNvPr id="82" name="그룹 81">
             <a:extLst>
               <a:ext uri="{FF2B5EF4-FFF2-40B4-BE49-F238E27FC236}">
-                <a16:creationId xmlns="" xmlns:a16="http://schemas.microsoft.com/office/drawing/2014/main" id="{DB47AC19-6E33-49BE-A286-5815165FDFE8}"/>
+                <a16:creationId xmlns:a16="http://schemas.microsoft.com/office/drawing/2014/main" xmlns="" id="{DB47AC19-6E33-49BE-A286-5815165FDFE8}"/>
               </a:ext>
             </a:extLst>
           </p:cNvPr>
@@ -10746,7 +10738,7 @@
             <p:cNvPr id="83" name="사각형: 둥근 모서리 26">
               <a:extLst>
                 <a:ext uri="{FF2B5EF4-FFF2-40B4-BE49-F238E27FC236}">
-                  <a16:creationId xmlns="" xmlns:a16="http://schemas.microsoft.com/office/drawing/2014/main" id="{661E1ED7-E128-43B1-A3F9-C5B17DA464CD}"/>
+                  <a16:creationId xmlns:a16="http://schemas.microsoft.com/office/drawing/2014/main" xmlns="" id="{661E1ED7-E128-43B1-A3F9-C5B17DA464CD}"/>
                 </a:ext>
               </a:extLst>
             </p:cNvPr>
@@ -10858,7 +10850,7 @@
             <p:cNvPr id="84" name="TextBox 83">
               <a:extLst>
                 <a:ext uri="{FF2B5EF4-FFF2-40B4-BE49-F238E27FC236}">
-                  <a16:creationId xmlns="" xmlns:a16="http://schemas.microsoft.com/office/drawing/2014/main" id="{64950E66-0A38-4848-9E77-79D7B03F5B1B}"/>
+                  <a16:creationId xmlns:a16="http://schemas.microsoft.com/office/drawing/2014/main" xmlns="" id="{64950E66-0A38-4848-9E77-79D7B03F5B1B}"/>
                 </a:ext>
               </a:extLst>
             </p:cNvPr>
@@ -10997,7 +10989,7 @@
           <p:cNvPr id="15" name="TextBox 14">
             <a:extLst>
               <a:ext uri="{FF2B5EF4-FFF2-40B4-BE49-F238E27FC236}">
-                <a16:creationId xmlns="" xmlns:a16="http://schemas.microsoft.com/office/drawing/2014/main" id="{7ADFF66A-F81C-4568-8F9E-37AF2FE5E09E}"/>
+                <a16:creationId xmlns:a16="http://schemas.microsoft.com/office/drawing/2014/main" xmlns="" id="{7ADFF66A-F81C-4568-8F9E-37AF2FE5E09E}"/>
               </a:ext>
             </a:extLst>
           </p:cNvPr>
@@ -11843,7 +11835,7 @@
           <p:cNvPr id="15" name="TextBox 14">
             <a:extLst>
               <a:ext uri="{FF2B5EF4-FFF2-40B4-BE49-F238E27FC236}">
-                <a16:creationId xmlns="" xmlns:a16="http://schemas.microsoft.com/office/drawing/2014/main" id="{7ADFF66A-F81C-4568-8F9E-37AF2FE5E09E}"/>
+                <a16:creationId xmlns:a16="http://schemas.microsoft.com/office/drawing/2014/main" xmlns="" id="{7ADFF66A-F81C-4568-8F9E-37AF2FE5E09E}"/>
               </a:ext>
             </a:extLst>
           </p:cNvPr>
@@ -12641,7 +12633,7 @@
           <p:cNvPr id="15" name="TextBox 14">
             <a:extLst>
               <a:ext uri="{FF2B5EF4-FFF2-40B4-BE49-F238E27FC236}">
-                <a16:creationId xmlns="" xmlns:a16="http://schemas.microsoft.com/office/drawing/2014/main" id="{7ADFF66A-F81C-4568-8F9E-37AF2FE5E09E}"/>
+                <a16:creationId xmlns:a16="http://schemas.microsoft.com/office/drawing/2014/main" xmlns="" id="{7ADFF66A-F81C-4568-8F9E-37AF2FE5E09E}"/>
               </a:ext>
             </a:extLst>
           </p:cNvPr>
@@ -12684,7 +12676,7 @@
           <p:cNvPr id="19" name="그림 18">
             <a:extLst>
               <a:ext uri="{FF2B5EF4-FFF2-40B4-BE49-F238E27FC236}">
-                <a16:creationId xmlns="" xmlns:a16="http://schemas.microsoft.com/office/drawing/2014/main" id="{6A20E08E-A83C-440B-AD37-67E47CB69DD0}"/>
+                <a16:creationId xmlns:a16="http://schemas.microsoft.com/office/drawing/2014/main" xmlns="" id="{6A20E08E-A83C-440B-AD37-67E47CB69DD0}"/>
               </a:ext>
             </a:extLst>
           </p:cNvPr>
@@ -12721,7 +12713,7 @@
           <p:cNvPr id="24" name="그림 23">
             <a:extLst>
               <a:ext uri="{FF2B5EF4-FFF2-40B4-BE49-F238E27FC236}">
-                <a16:creationId xmlns="" xmlns:a16="http://schemas.microsoft.com/office/drawing/2014/main" id="{857F6739-8ACF-49DE-9190-22BF48EB83F0}"/>
+                <a16:creationId xmlns:a16="http://schemas.microsoft.com/office/drawing/2014/main" xmlns="" id="{857F6739-8ACF-49DE-9190-22BF48EB83F0}"/>
               </a:ext>
             </a:extLst>
           </p:cNvPr>
@@ -12758,7 +12750,7 @@
           <p:cNvPr id="25" name="그림 24">
             <a:extLst>
               <a:ext uri="{FF2B5EF4-FFF2-40B4-BE49-F238E27FC236}">
-                <a16:creationId xmlns="" xmlns:a16="http://schemas.microsoft.com/office/drawing/2014/main" id="{C2288CB5-9AE0-46FC-B3C8-88F4C287CEE2}"/>
+                <a16:creationId xmlns:a16="http://schemas.microsoft.com/office/drawing/2014/main" xmlns="" id="{C2288CB5-9AE0-46FC-B3C8-88F4C287CEE2}"/>
               </a:ext>
             </a:extLst>
           </p:cNvPr>
@@ -12795,7 +12787,7 @@
           <p:cNvPr id="26" name="TextBox 25">
             <a:extLst>
               <a:ext uri="{FF2B5EF4-FFF2-40B4-BE49-F238E27FC236}">
-                <a16:creationId xmlns="" xmlns:a16="http://schemas.microsoft.com/office/drawing/2014/main" id="{43942AFE-A1D4-43D5-9C62-08BB1C34F126}"/>
+                <a16:creationId xmlns:a16="http://schemas.microsoft.com/office/drawing/2014/main" xmlns="" id="{43942AFE-A1D4-43D5-9C62-08BB1C34F126}"/>
               </a:ext>
             </a:extLst>
           </p:cNvPr>
@@ -12866,7 +12858,7 @@
           <p:cNvPr id="27" name="그림 26">
             <a:extLst>
               <a:ext uri="{FF2B5EF4-FFF2-40B4-BE49-F238E27FC236}">
-                <a16:creationId xmlns="" xmlns:a16="http://schemas.microsoft.com/office/drawing/2014/main" id="{964C68B2-2367-48CA-ABA4-1D48934B95D3}"/>
+                <a16:creationId xmlns:a16="http://schemas.microsoft.com/office/drawing/2014/main" xmlns="" id="{964C68B2-2367-48CA-ABA4-1D48934B95D3}"/>
               </a:ext>
             </a:extLst>
           </p:cNvPr>
@@ -12903,7 +12895,7 @@
           <p:cNvPr id="28" name="TextBox 27">
             <a:extLst>
               <a:ext uri="{FF2B5EF4-FFF2-40B4-BE49-F238E27FC236}">
-                <a16:creationId xmlns="" xmlns:a16="http://schemas.microsoft.com/office/drawing/2014/main" id="{54F760BC-141F-474B-AE80-7ACCD2C8CABF}"/>
+                <a16:creationId xmlns:a16="http://schemas.microsoft.com/office/drawing/2014/main" xmlns="" id="{54F760BC-141F-474B-AE80-7ACCD2C8CABF}"/>
               </a:ext>
             </a:extLst>
           </p:cNvPr>
@@ -13249,7 +13241,7 @@
           <p:cNvPr id="15" name="TextBox 14">
             <a:extLst>
               <a:ext uri="{FF2B5EF4-FFF2-40B4-BE49-F238E27FC236}">
-                <a16:creationId xmlns="" xmlns:a16="http://schemas.microsoft.com/office/drawing/2014/main" id="{7ADFF66A-F81C-4568-8F9E-37AF2FE5E09E}"/>
+                <a16:creationId xmlns:a16="http://schemas.microsoft.com/office/drawing/2014/main" xmlns="" id="{7ADFF66A-F81C-4568-8F9E-37AF2FE5E09E}"/>
               </a:ext>
             </a:extLst>
           </p:cNvPr>
@@ -13310,7 +13302,7 @@
           <p:cNvPr id="13" name="그림 12">
             <a:extLst>
               <a:ext uri="{FF2B5EF4-FFF2-40B4-BE49-F238E27FC236}">
-                <a16:creationId xmlns="" xmlns:a16="http://schemas.microsoft.com/office/drawing/2014/main" id="{1DA59DE2-DA9D-4D24-821A-080EFF10FD0C}"/>
+                <a16:creationId xmlns:a16="http://schemas.microsoft.com/office/drawing/2014/main" xmlns="" id="{1DA59DE2-DA9D-4D24-821A-080EFF10FD0C}"/>
               </a:ext>
             </a:extLst>
           </p:cNvPr>
@@ -13357,7 +13349,7 @@
           <p:cNvPr id="14" name="그림 13">
             <a:extLst>
               <a:ext uri="{FF2B5EF4-FFF2-40B4-BE49-F238E27FC236}">
-                <a16:creationId xmlns="" xmlns:a16="http://schemas.microsoft.com/office/drawing/2014/main" id="{2D15C922-2748-4889-A0E7-0A4710264FE0}"/>
+                <a16:creationId xmlns:a16="http://schemas.microsoft.com/office/drawing/2014/main" xmlns="" id="{2D15C922-2748-4889-A0E7-0A4710264FE0}"/>
               </a:ext>
             </a:extLst>
           </p:cNvPr>
@@ -13422,7 +13414,7 @@
           <p:cNvPr id="16" name="그림 15">
             <a:extLst>
               <a:ext uri="{FF2B5EF4-FFF2-40B4-BE49-F238E27FC236}">
-                <a16:creationId xmlns="" xmlns:a16="http://schemas.microsoft.com/office/drawing/2014/main" id="{9137861F-0512-4100-A8DB-C4C99746A426}"/>
+                <a16:creationId xmlns:a16="http://schemas.microsoft.com/office/drawing/2014/main" xmlns="" id="{9137861F-0512-4100-A8DB-C4C99746A426}"/>
               </a:ext>
             </a:extLst>
           </p:cNvPr>
@@ -13543,7 +13535,7 @@
           <p:cNvPr id="17" name="그림 16">
             <a:extLst>
               <a:ext uri="{FF2B5EF4-FFF2-40B4-BE49-F238E27FC236}">
-                <a16:creationId xmlns="" xmlns:a16="http://schemas.microsoft.com/office/drawing/2014/main" id="{A15008CE-C124-4086-B045-6880320C4F40}"/>
+                <a16:creationId xmlns:a16="http://schemas.microsoft.com/office/drawing/2014/main" xmlns="" id="{A15008CE-C124-4086-B045-6880320C4F40}"/>
               </a:ext>
             </a:extLst>
           </p:cNvPr>
@@ -13579,7 +13571,7 @@
           <p:cNvPr id="18" name="그림 17">
             <a:extLst>
               <a:ext uri="{FF2B5EF4-FFF2-40B4-BE49-F238E27FC236}">
-                <a16:creationId xmlns="" xmlns:a16="http://schemas.microsoft.com/office/drawing/2014/main" id="{93F9C389-CDD1-4BB6-8A4C-B92343D1D114}"/>
+                <a16:creationId xmlns:a16="http://schemas.microsoft.com/office/drawing/2014/main" xmlns="" id="{93F9C389-CDD1-4BB6-8A4C-B92343D1D114}"/>
               </a:ext>
             </a:extLst>
           </p:cNvPr>
@@ -13615,7 +13607,7 @@
           <p:cNvPr id="20" name="TextBox 19">
             <a:extLst>
               <a:ext uri="{FF2B5EF4-FFF2-40B4-BE49-F238E27FC236}">
-                <a16:creationId xmlns="" xmlns:a16="http://schemas.microsoft.com/office/drawing/2014/main" id="{991EA69F-D678-445A-9C79-FFA7BA55757D}"/>
+                <a16:creationId xmlns:a16="http://schemas.microsoft.com/office/drawing/2014/main" xmlns="" id="{991EA69F-D678-445A-9C79-FFA7BA55757D}"/>
               </a:ext>
             </a:extLst>
           </p:cNvPr>
@@ -13669,7 +13661,7 @@
           <p:cNvPr id="21" name="TextBox 20">
             <a:extLst>
               <a:ext uri="{FF2B5EF4-FFF2-40B4-BE49-F238E27FC236}">
-                <a16:creationId xmlns="" xmlns:a16="http://schemas.microsoft.com/office/drawing/2014/main" id="{394F3714-930B-4913-8EC6-FAA9B2F33EA9}"/>
+                <a16:creationId xmlns:a16="http://schemas.microsoft.com/office/drawing/2014/main" xmlns="" id="{394F3714-930B-4913-8EC6-FAA9B2F33EA9}"/>
               </a:ext>
             </a:extLst>
           </p:cNvPr>
@@ -13714,7 +13706,7 @@
           <p:cNvPr id="22" name="TextBox 21">
             <a:extLst>
               <a:ext uri="{FF2B5EF4-FFF2-40B4-BE49-F238E27FC236}">
-                <a16:creationId xmlns="" xmlns:a16="http://schemas.microsoft.com/office/drawing/2014/main" id="{D81040AC-3D33-464E-9959-7079A2EB609D}"/>
+                <a16:creationId xmlns:a16="http://schemas.microsoft.com/office/drawing/2014/main" xmlns="" id="{D81040AC-3D33-464E-9959-7079A2EB609D}"/>
               </a:ext>
             </a:extLst>
           </p:cNvPr>
@@ -13768,7 +13760,7 @@
           <p:cNvPr id="23" name="그림 22">
             <a:extLst>
               <a:ext uri="{FF2B5EF4-FFF2-40B4-BE49-F238E27FC236}">
-                <a16:creationId xmlns="" xmlns:a16="http://schemas.microsoft.com/office/drawing/2014/main" id="{CB202B22-FBB3-4A03-A6C0-9AF1207BFBED}"/>
+                <a16:creationId xmlns:a16="http://schemas.microsoft.com/office/drawing/2014/main" xmlns="" id="{CB202B22-FBB3-4A03-A6C0-9AF1207BFBED}"/>
               </a:ext>
             </a:extLst>
           </p:cNvPr>
@@ -13871,7 +13863,7 @@
           <p:cNvPr id="29" name="그림 28">
             <a:extLst>
               <a:ext uri="{FF2B5EF4-FFF2-40B4-BE49-F238E27FC236}">
-                <a16:creationId xmlns="" xmlns:a16="http://schemas.microsoft.com/office/drawing/2014/main" id="{E40A5BEA-5C1E-4E0A-B6CB-D2D168ACF2BE}"/>
+                <a16:creationId xmlns:a16="http://schemas.microsoft.com/office/drawing/2014/main" xmlns="" id="{E40A5BEA-5C1E-4E0A-B6CB-D2D168ACF2BE}"/>
               </a:ext>
             </a:extLst>
           </p:cNvPr>
@@ -13920,7 +13912,7 @@
           <p:cNvPr id="30" name="그림 29">
             <a:extLst>
               <a:ext uri="{FF2B5EF4-FFF2-40B4-BE49-F238E27FC236}">
-                <a16:creationId xmlns="" xmlns:a16="http://schemas.microsoft.com/office/drawing/2014/main" id="{B4880F25-020A-417C-AB30-B749438C4A82}"/>
+                <a16:creationId xmlns:a16="http://schemas.microsoft.com/office/drawing/2014/main" xmlns="" id="{B4880F25-020A-417C-AB30-B749438C4A82}"/>
               </a:ext>
             </a:extLst>
           </p:cNvPr>
@@ -13970,7 +13962,7 @@
           <p:cNvPr id="31" name="TextBox 30">
             <a:extLst>
               <a:ext uri="{FF2B5EF4-FFF2-40B4-BE49-F238E27FC236}">
-                <a16:creationId xmlns="" xmlns:a16="http://schemas.microsoft.com/office/drawing/2014/main" id="{F34064CC-30FC-44EE-AB44-A860D4D7F3EE}"/>
+                <a16:creationId xmlns:a16="http://schemas.microsoft.com/office/drawing/2014/main" xmlns="" id="{F34064CC-30FC-44EE-AB44-A860D4D7F3EE}"/>
               </a:ext>
             </a:extLst>
           </p:cNvPr>
@@ -14024,7 +14016,7 @@
           <p:cNvPr id="34" name="TextBox 33">
             <a:extLst>
               <a:ext uri="{FF2B5EF4-FFF2-40B4-BE49-F238E27FC236}">
-                <a16:creationId xmlns="" xmlns:a16="http://schemas.microsoft.com/office/drawing/2014/main" id="{F34064CC-30FC-44EE-AB44-A860D4D7F3EE}"/>
+                <a16:creationId xmlns:a16="http://schemas.microsoft.com/office/drawing/2014/main" xmlns="" id="{F34064CC-30FC-44EE-AB44-A860D4D7F3EE}"/>
               </a:ext>
             </a:extLst>
           </p:cNvPr>
@@ -14078,7 +14070,7 @@
           <p:cNvPr id="35" name="TextBox 34">
             <a:extLst>
               <a:ext uri="{FF2B5EF4-FFF2-40B4-BE49-F238E27FC236}">
-                <a16:creationId xmlns="" xmlns:a16="http://schemas.microsoft.com/office/drawing/2014/main" id="{F34064CC-30FC-44EE-AB44-A860D4D7F3EE}"/>
+                <a16:creationId xmlns:a16="http://schemas.microsoft.com/office/drawing/2014/main" xmlns="" id="{F34064CC-30FC-44EE-AB44-A860D4D7F3EE}"/>
               </a:ext>
             </a:extLst>
           </p:cNvPr>
@@ -14132,7 +14124,7 @@
           <p:cNvPr id="36" name="십자형 35">
             <a:extLst>
               <a:ext uri="{FF2B5EF4-FFF2-40B4-BE49-F238E27FC236}">
-                <a16:creationId xmlns="" xmlns:a16="http://schemas.microsoft.com/office/drawing/2014/main" id="{FE7B8943-0503-4B8E-96FA-1911D2C4BC65}"/>
+                <a16:creationId xmlns:a16="http://schemas.microsoft.com/office/drawing/2014/main" xmlns="" id="{FE7B8943-0503-4B8E-96FA-1911D2C4BC65}"/>
               </a:ext>
             </a:extLst>
           </p:cNvPr>
@@ -14186,7 +14178,7 @@
           <p:cNvPr id="37" name="십자형 36">
             <a:extLst>
               <a:ext uri="{FF2B5EF4-FFF2-40B4-BE49-F238E27FC236}">
-                <a16:creationId xmlns="" xmlns:a16="http://schemas.microsoft.com/office/drawing/2014/main" id="{17A7D3D0-8821-40B9-8206-176F921C4F04}"/>
+                <a16:creationId xmlns:a16="http://schemas.microsoft.com/office/drawing/2014/main" xmlns="" id="{17A7D3D0-8821-40B9-8206-176F921C4F04}"/>
               </a:ext>
             </a:extLst>
           </p:cNvPr>
@@ -14240,7 +14232,7 @@
           <p:cNvPr id="38" name="십자형 37">
             <a:extLst>
               <a:ext uri="{FF2B5EF4-FFF2-40B4-BE49-F238E27FC236}">
-                <a16:creationId xmlns="" xmlns:a16="http://schemas.microsoft.com/office/drawing/2014/main" id="{8A91E4C6-44A6-4C36-888D-C3572507673E}"/>
+                <a16:creationId xmlns:a16="http://schemas.microsoft.com/office/drawing/2014/main" xmlns="" id="{8A91E4C6-44A6-4C36-888D-C3572507673E}"/>
               </a:ext>
             </a:extLst>
           </p:cNvPr>
@@ -14294,7 +14286,7 @@
           <p:cNvPr id="39" name="TextBox 38">
             <a:extLst>
               <a:ext uri="{FF2B5EF4-FFF2-40B4-BE49-F238E27FC236}">
-                <a16:creationId xmlns="" xmlns:a16="http://schemas.microsoft.com/office/drawing/2014/main" id="{13086FA3-D9FA-429A-BE0C-FFB55DD9274B}"/>
+                <a16:creationId xmlns:a16="http://schemas.microsoft.com/office/drawing/2014/main" xmlns="" id="{13086FA3-D9FA-429A-BE0C-FFB55DD9274B}"/>
               </a:ext>
             </a:extLst>
           </p:cNvPr>
@@ -14333,7 +14325,7 @@
           <p:cNvPr id="40" name="TextBox 39">
             <a:extLst>
               <a:ext uri="{FF2B5EF4-FFF2-40B4-BE49-F238E27FC236}">
-                <a16:creationId xmlns="" xmlns:a16="http://schemas.microsoft.com/office/drawing/2014/main" id="{A3C1DEAF-CB19-4813-B058-5DA1A240AD9C}"/>
+                <a16:creationId xmlns:a16="http://schemas.microsoft.com/office/drawing/2014/main" xmlns="" id="{A3C1DEAF-CB19-4813-B058-5DA1A240AD9C}"/>
               </a:ext>
             </a:extLst>
           </p:cNvPr>
@@ -14372,7 +14364,7 @@
           <p:cNvPr id="42" name="TextBox 41">
             <a:extLst>
               <a:ext uri="{FF2B5EF4-FFF2-40B4-BE49-F238E27FC236}">
-                <a16:creationId xmlns="" xmlns:a16="http://schemas.microsoft.com/office/drawing/2014/main" id="{D84D0598-CD92-4086-AC01-008235CE0539}"/>
+                <a16:creationId xmlns:a16="http://schemas.microsoft.com/office/drawing/2014/main" xmlns="" id="{D84D0598-CD92-4086-AC01-008235CE0539}"/>
               </a:ext>
             </a:extLst>
           </p:cNvPr>
@@ -14541,7 +14533,7 @@
           <p:cNvPr id="15" name="TextBox 14">
             <a:extLst>
               <a:ext uri="{FF2B5EF4-FFF2-40B4-BE49-F238E27FC236}">
-                <a16:creationId xmlns="" xmlns:a16="http://schemas.microsoft.com/office/drawing/2014/main" id="{7ADFF66A-F81C-4568-8F9E-37AF2FE5E09E}"/>
+                <a16:creationId xmlns:a16="http://schemas.microsoft.com/office/drawing/2014/main" xmlns="" id="{7ADFF66A-F81C-4568-8F9E-37AF2FE5E09E}"/>
               </a:ext>
             </a:extLst>
           </p:cNvPr>
@@ -15152,7 +15144,7 @@
           <p:cNvPr id="15" name="TextBox 14">
             <a:extLst>
               <a:ext uri="{FF2B5EF4-FFF2-40B4-BE49-F238E27FC236}">
-                <a16:creationId xmlns="" xmlns:a16="http://schemas.microsoft.com/office/drawing/2014/main" id="{7ADFF66A-F81C-4568-8F9E-37AF2FE5E09E}"/>
+                <a16:creationId xmlns:a16="http://schemas.microsoft.com/office/drawing/2014/main" xmlns="" id="{7ADFF66A-F81C-4568-8F9E-37AF2FE5E09E}"/>
               </a:ext>
             </a:extLst>
           </p:cNvPr>
@@ -15195,7 +15187,7 @@
           <p:cNvPr id="11" name="그림 10">
             <a:extLst>
               <a:ext uri="{FF2B5EF4-FFF2-40B4-BE49-F238E27FC236}">
-                <a16:creationId xmlns="" xmlns:a16="http://schemas.microsoft.com/office/drawing/2014/main" id="{952DA926-DD73-473C-ADCD-5E57170AD41D}"/>
+                <a16:creationId xmlns:a16="http://schemas.microsoft.com/office/drawing/2014/main" xmlns="" id="{952DA926-DD73-473C-ADCD-5E57170AD41D}"/>
               </a:ext>
             </a:extLst>
           </p:cNvPr>
@@ -15317,7 +15309,7 @@
           <p:cNvPr id="15" name="TextBox 14">
             <a:extLst>
               <a:ext uri="{FF2B5EF4-FFF2-40B4-BE49-F238E27FC236}">
-                <a16:creationId xmlns="" xmlns:a16="http://schemas.microsoft.com/office/drawing/2014/main" id="{7ADFF66A-F81C-4568-8F9E-37AF2FE5E09E}"/>
+                <a16:creationId xmlns:a16="http://schemas.microsoft.com/office/drawing/2014/main" xmlns="" id="{7ADFF66A-F81C-4568-8F9E-37AF2FE5E09E}"/>
               </a:ext>
             </a:extLst>
           </p:cNvPr>
@@ -15360,7 +15352,7 @@
           <p:cNvPr id="5" name="그룹 4">
             <a:extLst>
               <a:ext uri="{FF2B5EF4-FFF2-40B4-BE49-F238E27FC236}">
-                <a16:creationId xmlns="" xmlns:a16="http://schemas.microsoft.com/office/drawing/2014/main" id="{40A2EABC-5404-4A5C-915F-564F994C566D}"/>
+                <a16:creationId xmlns:a16="http://schemas.microsoft.com/office/drawing/2014/main" xmlns="" id="{40A2EABC-5404-4A5C-915F-564F994C566D}"/>
               </a:ext>
             </a:extLst>
           </p:cNvPr>
@@ -15380,7 +15372,7 @@
             <p:cNvPr id="6" name="그룹 5">
               <a:extLst>
                 <a:ext uri="{FF2B5EF4-FFF2-40B4-BE49-F238E27FC236}">
-                  <a16:creationId xmlns="" xmlns:a16="http://schemas.microsoft.com/office/drawing/2014/main" id="{81C696C3-507D-4FB9-9A57-79F2A3BCDA74}"/>
+                  <a16:creationId xmlns:a16="http://schemas.microsoft.com/office/drawing/2014/main" xmlns="" id="{81C696C3-507D-4FB9-9A57-79F2A3BCDA74}"/>
                 </a:ext>
               </a:extLst>
             </p:cNvPr>
@@ -15400,7 +15392,7 @@
               <p:cNvPr id="21" name="TextBox 20">
                 <a:extLst>
                   <a:ext uri="{FF2B5EF4-FFF2-40B4-BE49-F238E27FC236}">
-                    <a16:creationId xmlns="" xmlns:a16="http://schemas.microsoft.com/office/drawing/2014/main" id="{6C861201-99DA-4FB9-8BF4-2FE92644EB70}"/>
+                    <a16:creationId xmlns:a16="http://schemas.microsoft.com/office/drawing/2014/main" xmlns="" id="{6C861201-99DA-4FB9-8BF4-2FE92644EB70}"/>
                   </a:ext>
                 </a:extLst>
               </p:cNvPr>
@@ -15444,7 +15436,7 @@
               <p:cNvPr id="22" name="직사각형 21">
                 <a:extLst>
                   <a:ext uri="{FF2B5EF4-FFF2-40B4-BE49-F238E27FC236}">
-                    <a16:creationId xmlns="" xmlns:a16="http://schemas.microsoft.com/office/drawing/2014/main" id="{EFACFDEA-4BAE-4F59-B88D-02A741269B69}"/>
+                    <a16:creationId xmlns:a16="http://schemas.microsoft.com/office/drawing/2014/main" xmlns="" id="{EFACFDEA-4BAE-4F59-B88D-02A741269B69}"/>
                   </a:ext>
                 </a:extLst>
               </p:cNvPr>
@@ -15500,7 +15492,7 @@
             <p:cNvPr id="7" name="그룹 6">
               <a:extLst>
                 <a:ext uri="{FF2B5EF4-FFF2-40B4-BE49-F238E27FC236}">
-                  <a16:creationId xmlns="" xmlns:a16="http://schemas.microsoft.com/office/drawing/2014/main" id="{435B8B12-5C3F-4850-BE94-8D6AB152273A}"/>
+                  <a16:creationId xmlns:a16="http://schemas.microsoft.com/office/drawing/2014/main" xmlns="" id="{435B8B12-5C3F-4850-BE94-8D6AB152273A}"/>
                 </a:ext>
               </a:extLst>
             </p:cNvPr>
@@ -15520,7 +15512,7 @@
               <p:cNvPr id="19" name="TextBox 18">
                 <a:extLst>
                   <a:ext uri="{FF2B5EF4-FFF2-40B4-BE49-F238E27FC236}">
-                    <a16:creationId xmlns="" xmlns:a16="http://schemas.microsoft.com/office/drawing/2014/main" id="{4E97ECB8-39B6-4506-A4A4-712B9E803141}"/>
+                    <a16:creationId xmlns:a16="http://schemas.microsoft.com/office/drawing/2014/main" xmlns="" id="{4E97ECB8-39B6-4506-A4A4-712B9E803141}"/>
                   </a:ext>
                 </a:extLst>
               </p:cNvPr>
@@ -15564,7 +15556,7 @@
               <p:cNvPr id="20" name="직사각형 19">
                 <a:extLst>
                   <a:ext uri="{FF2B5EF4-FFF2-40B4-BE49-F238E27FC236}">
-                    <a16:creationId xmlns="" xmlns:a16="http://schemas.microsoft.com/office/drawing/2014/main" id="{CEDD8674-0448-432A-8C62-E23BB1B065C9}"/>
+                    <a16:creationId xmlns:a16="http://schemas.microsoft.com/office/drawing/2014/main" xmlns="" id="{CEDD8674-0448-432A-8C62-E23BB1B065C9}"/>
                   </a:ext>
                 </a:extLst>
               </p:cNvPr>
@@ -15620,7 +15612,7 @@
             <p:cNvPr id="8" name="그룹 7">
               <a:extLst>
                 <a:ext uri="{FF2B5EF4-FFF2-40B4-BE49-F238E27FC236}">
-                  <a16:creationId xmlns="" xmlns:a16="http://schemas.microsoft.com/office/drawing/2014/main" id="{25BAB84C-7980-4524-B43E-EA1D121EDF27}"/>
+                  <a16:creationId xmlns:a16="http://schemas.microsoft.com/office/drawing/2014/main" xmlns="" id="{25BAB84C-7980-4524-B43E-EA1D121EDF27}"/>
                 </a:ext>
               </a:extLst>
             </p:cNvPr>
@@ -15640,7 +15632,7 @@
               <p:cNvPr id="17" name="TextBox 16">
                 <a:extLst>
                   <a:ext uri="{FF2B5EF4-FFF2-40B4-BE49-F238E27FC236}">
-                    <a16:creationId xmlns="" xmlns:a16="http://schemas.microsoft.com/office/drawing/2014/main" id="{C8B941BA-E275-48E2-AB47-CEAD79DD8EA6}"/>
+                    <a16:creationId xmlns:a16="http://schemas.microsoft.com/office/drawing/2014/main" xmlns="" id="{C8B941BA-E275-48E2-AB47-CEAD79DD8EA6}"/>
                   </a:ext>
                 </a:extLst>
               </p:cNvPr>
@@ -15684,7 +15676,7 @@
               <p:cNvPr id="18" name="직사각형 17">
                 <a:extLst>
                   <a:ext uri="{FF2B5EF4-FFF2-40B4-BE49-F238E27FC236}">
-                    <a16:creationId xmlns="" xmlns:a16="http://schemas.microsoft.com/office/drawing/2014/main" id="{184582A0-1BAC-4FCF-B84D-6E4F832A61D7}"/>
+                    <a16:creationId xmlns:a16="http://schemas.microsoft.com/office/drawing/2014/main" xmlns="" id="{184582A0-1BAC-4FCF-B84D-6E4F832A61D7}"/>
                   </a:ext>
                 </a:extLst>
               </p:cNvPr>
@@ -15740,7 +15732,7 @@
             <p:cNvPr id="9" name="그룹 8">
               <a:extLst>
                 <a:ext uri="{FF2B5EF4-FFF2-40B4-BE49-F238E27FC236}">
-                  <a16:creationId xmlns="" xmlns:a16="http://schemas.microsoft.com/office/drawing/2014/main" id="{5797DF83-5413-45FA-98A2-2D6EA6E16594}"/>
+                  <a16:creationId xmlns:a16="http://schemas.microsoft.com/office/drawing/2014/main" xmlns="" id="{5797DF83-5413-45FA-98A2-2D6EA6E16594}"/>
                 </a:ext>
               </a:extLst>
             </p:cNvPr>
@@ -15760,7 +15752,7 @@
               <p:cNvPr id="14" name="TextBox 13">
                 <a:extLst>
                   <a:ext uri="{FF2B5EF4-FFF2-40B4-BE49-F238E27FC236}">
-                    <a16:creationId xmlns="" xmlns:a16="http://schemas.microsoft.com/office/drawing/2014/main" id="{6E2E439C-3EC9-406F-B4A9-A804043D1D65}"/>
+                    <a16:creationId xmlns:a16="http://schemas.microsoft.com/office/drawing/2014/main" xmlns="" id="{6E2E439C-3EC9-406F-B4A9-A804043D1D65}"/>
                   </a:ext>
                 </a:extLst>
               </p:cNvPr>
@@ -15804,7 +15796,7 @@
               <p:cNvPr id="16" name="직사각형 15">
                 <a:extLst>
                   <a:ext uri="{FF2B5EF4-FFF2-40B4-BE49-F238E27FC236}">
-                    <a16:creationId xmlns="" xmlns:a16="http://schemas.microsoft.com/office/drawing/2014/main" id="{3A714566-FD89-4B04-8458-17FE3B309EC0}"/>
+                    <a16:creationId xmlns:a16="http://schemas.microsoft.com/office/drawing/2014/main" xmlns="" id="{3A714566-FD89-4B04-8458-17FE3B309EC0}"/>
                   </a:ext>
                 </a:extLst>
               </p:cNvPr>
@@ -15860,7 +15852,7 @@
             <p:cNvPr id="10" name="그룹 9">
               <a:extLst>
                 <a:ext uri="{FF2B5EF4-FFF2-40B4-BE49-F238E27FC236}">
-                  <a16:creationId xmlns="" xmlns:a16="http://schemas.microsoft.com/office/drawing/2014/main" id="{EE8E0524-3AD7-4494-B94E-38B8D9953142}"/>
+                  <a16:creationId xmlns:a16="http://schemas.microsoft.com/office/drawing/2014/main" xmlns="" id="{EE8E0524-3AD7-4494-B94E-38B8D9953142}"/>
                 </a:ext>
               </a:extLst>
             </p:cNvPr>
@@ -15880,7 +15872,7 @@
               <p:cNvPr id="12" name="TextBox 11">
                 <a:extLst>
                   <a:ext uri="{FF2B5EF4-FFF2-40B4-BE49-F238E27FC236}">
-                    <a16:creationId xmlns="" xmlns:a16="http://schemas.microsoft.com/office/drawing/2014/main" id="{8FED46A8-0CDE-4CF0-BC9F-10A14B32B741}"/>
+                    <a16:creationId xmlns:a16="http://schemas.microsoft.com/office/drawing/2014/main" xmlns="" id="{8FED46A8-0CDE-4CF0-BC9F-10A14B32B741}"/>
                   </a:ext>
                 </a:extLst>
               </p:cNvPr>
@@ -15932,7 +15924,7 @@
               <p:cNvPr id="13" name="직사각형 12">
                 <a:extLst>
                   <a:ext uri="{FF2B5EF4-FFF2-40B4-BE49-F238E27FC236}">
-                    <a16:creationId xmlns="" xmlns:a16="http://schemas.microsoft.com/office/drawing/2014/main" id="{9EE4CA43-8B35-45ED-8F2C-A9DC0773D644}"/>
+                    <a16:creationId xmlns:a16="http://schemas.microsoft.com/office/drawing/2014/main" xmlns="" id="{9EE4CA43-8B35-45ED-8F2C-A9DC0773D644}"/>
                   </a:ext>
                 </a:extLst>
               </p:cNvPr>
@@ -15989,7 +15981,7 @@
           <p:cNvPr id="23" name="그룹 22">
             <a:extLst>
               <a:ext uri="{FF2B5EF4-FFF2-40B4-BE49-F238E27FC236}">
-                <a16:creationId xmlns="" xmlns:a16="http://schemas.microsoft.com/office/drawing/2014/main" id="{E1F442ED-E431-46B9-A919-02E2B7967D5D}"/>
+                <a16:creationId xmlns:a16="http://schemas.microsoft.com/office/drawing/2014/main" xmlns="" id="{E1F442ED-E431-46B9-A919-02E2B7967D5D}"/>
               </a:ext>
             </a:extLst>
           </p:cNvPr>
@@ -16009,7 +16001,7 @@
             <p:cNvPr id="24" name="그룹 23">
               <a:extLst>
                 <a:ext uri="{FF2B5EF4-FFF2-40B4-BE49-F238E27FC236}">
-                  <a16:creationId xmlns="" xmlns:a16="http://schemas.microsoft.com/office/drawing/2014/main" id="{5262CCB2-ACEC-47EA-A071-378BF0DE0AC8}"/>
+                  <a16:creationId xmlns:a16="http://schemas.microsoft.com/office/drawing/2014/main" xmlns="" id="{5262CCB2-ACEC-47EA-A071-378BF0DE0AC8}"/>
                 </a:ext>
               </a:extLst>
             </p:cNvPr>
@@ -16029,7 +16021,7 @@
               <p:cNvPr id="37" name="TextBox 36">
                 <a:extLst>
                   <a:ext uri="{FF2B5EF4-FFF2-40B4-BE49-F238E27FC236}">
-                    <a16:creationId xmlns="" xmlns:a16="http://schemas.microsoft.com/office/drawing/2014/main" id="{D71E5D70-826D-410A-A64B-425241B2A441}"/>
+                    <a16:creationId xmlns:a16="http://schemas.microsoft.com/office/drawing/2014/main" xmlns="" id="{D71E5D70-826D-410A-A64B-425241B2A441}"/>
                   </a:ext>
                 </a:extLst>
               </p:cNvPr>
@@ -16073,7 +16065,7 @@
               <p:cNvPr id="38" name="직사각형 37">
                 <a:extLst>
                   <a:ext uri="{FF2B5EF4-FFF2-40B4-BE49-F238E27FC236}">
-                    <a16:creationId xmlns="" xmlns:a16="http://schemas.microsoft.com/office/drawing/2014/main" id="{BC7063FD-051A-41ED-9D5C-676F45780CD6}"/>
+                    <a16:creationId xmlns:a16="http://schemas.microsoft.com/office/drawing/2014/main" xmlns="" id="{BC7063FD-051A-41ED-9D5C-676F45780CD6}"/>
                   </a:ext>
                 </a:extLst>
               </p:cNvPr>
@@ -16126,7 +16118,7 @@
             <p:cNvPr id="25" name="그룹 24">
               <a:extLst>
                 <a:ext uri="{FF2B5EF4-FFF2-40B4-BE49-F238E27FC236}">
-                  <a16:creationId xmlns="" xmlns:a16="http://schemas.microsoft.com/office/drawing/2014/main" id="{7EDB15EE-6591-426C-B552-D822F6E6299A}"/>
+                  <a16:creationId xmlns:a16="http://schemas.microsoft.com/office/drawing/2014/main" xmlns="" id="{7EDB15EE-6591-426C-B552-D822F6E6299A}"/>
                 </a:ext>
               </a:extLst>
             </p:cNvPr>
@@ -16146,7 +16138,7 @@
               <p:cNvPr id="35" name="TextBox 34">
                 <a:extLst>
                   <a:ext uri="{FF2B5EF4-FFF2-40B4-BE49-F238E27FC236}">
-                    <a16:creationId xmlns="" xmlns:a16="http://schemas.microsoft.com/office/drawing/2014/main" id="{B1945A07-36A6-4FDF-A9D2-E7F8EF42A5EC}"/>
+                    <a16:creationId xmlns:a16="http://schemas.microsoft.com/office/drawing/2014/main" xmlns="" id="{B1945A07-36A6-4FDF-A9D2-E7F8EF42A5EC}"/>
                   </a:ext>
                 </a:extLst>
               </p:cNvPr>
@@ -16198,7 +16190,7 @@
               <p:cNvPr id="36" name="직사각형 35">
                 <a:extLst>
                   <a:ext uri="{FF2B5EF4-FFF2-40B4-BE49-F238E27FC236}">
-                    <a16:creationId xmlns="" xmlns:a16="http://schemas.microsoft.com/office/drawing/2014/main" id="{46E1DFCF-4CC7-4581-B101-225DA80B6572}"/>
+                    <a16:creationId xmlns:a16="http://schemas.microsoft.com/office/drawing/2014/main" xmlns="" id="{46E1DFCF-4CC7-4581-B101-225DA80B6572}"/>
                   </a:ext>
                 </a:extLst>
               </p:cNvPr>
@@ -16251,7 +16243,7 @@
             <p:cNvPr id="26" name="그룹 25">
               <a:extLst>
                 <a:ext uri="{FF2B5EF4-FFF2-40B4-BE49-F238E27FC236}">
-                  <a16:creationId xmlns="" xmlns:a16="http://schemas.microsoft.com/office/drawing/2014/main" id="{E4ABEFBA-139F-42F4-94DD-F08E75D13A59}"/>
+                  <a16:creationId xmlns:a16="http://schemas.microsoft.com/office/drawing/2014/main" xmlns="" id="{E4ABEFBA-139F-42F4-94DD-F08E75D13A59}"/>
                 </a:ext>
               </a:extLst>
             </p:cNvPr>
@@ -16271,7 +16263,7 @@
               <p:cNvPr id="33" name="TextBox 32">
                 <a:extLst>
                   <a:ext uri="{FF2B5EF4-FFF2-40B4-BE49-F238E27FC236}">
-                    <a16:creationId xmlns="" xmlns:a16="http://schemas.microsoft.com/office/drawing/2014/main" id="{6EEB2093-945B-4A08-94A5-3C25F75D8763}"/>
+                    <a16:creationId xmlns:a16="http://schemas.microsoft.com/office/drawing/2014/main" xmlns="" id="{6EEB2093-945B-4A08-94A5-3C25F75D8763}"/>
                   </a:ext>
                 </a:extLst>
               </p:cNvPr>
@@ -16315,7 +16307,7 @@
               <p:cNvPr id="34" name="직사각형 33">
                 <a:extLst>
                   <a:ext uri="{FF2B5EF4-FFF2-40B4-BE49-F238E27FC236}">
-                    <a16:creationId xmlns="" xmlns:a16="http://schemas.microsoft.com/office/drawing/2014/main" id="{0CFDFDA2-B2F4-40BC-8867-375CC4014B13}"/>
+                    <a16:creationId xmlns:a16="http://schemas.microsoft.com/office/drawing/2014/main" xmlns="" id="{0CFDFDA2-B2F4-40BC-8867-375CC4014B13}"/>
                   </a:ext>
                 </a:extLst>
               </p:cNvPr>
@@ -16368,7 +16360,7 @@
             <p:cNvPr id="27" name="그룹 26">
               <a:extLst>
                 <a:ext uri="{FF2B5EF4-FFF2-40B4-BE49-F238E27FC236}">
-                  <a16:creationId xmlns="" xmlns:a16="http://schemas.microsoft.com/office/drawing/2014/main" id="{2E2A08AB-8EBD-45E9-9744-3510D4C55E93}"/>
+                  <a16:creationId xmlns:a16="http://schemas.microsoft.com/office/drawing/2014/main" xmlns="" id="{2E2A08AB-8EBD-45E9-9744-3510D4C55E93}"/>
                 </a:ext>
               </a:extLst>
             </p:cNvPr>
@@ -16388,7 +16380,7 @@
               <p:cNvPr id="31" name="TextBox 30">
                 <a:extLst>
                   <a:ext uri="{FF2B5EF4-FFF2-40B4-BE49-F238E27FC236}">
-                    <a16:creationId xmlns="" xmlns:a16="http://schemas.microsoft.com/office/drawing/2014/main" id="{8E5A3CC3-AC8B-4083-BF93-AC64C8355127}"/>
+                    <a16:creationId xmlns:a16="http://schemas.microsoft.com/office/drawing/2014/main" xmlns="" id="{8E5A3CC3-AC8B-4083-BF93-AC64C8355127}"/>
                   </a:ext>
                 </a:extLst>
               </p:cNvPr>
@@ -16440,7 +16432,7 @@
               <p:cNvPr id="32" name="직사각형 31">
                 <a:extLst>
                   <a:ext uri="{FF2B5EF4-FFF2-40B4-BE49-F238E27FC236}">
-                    <a16:creationId xmlns="" xmlns:a16="http://schemas.microsoft.com/office/drawing/2014/main" id="{473FDB08-91DB-4D83-B8CD-198F1618111C}"/>
+                    <a16:creationId xmlns:a16="http://schemas.microsoft.com/office/drawing/2014/main" xmlns="" id="{473FDB08-91DB-4D83-B8CD-198F1618111C}"/>
                   </a:ext>
                 </a:extLst>
               </p:cNvPr>
@@ -16493,7 +16485,7 @@
             <p:cNvPr id="28" name="그룹 27">
               <a:extLst>
                 <a:ext uri="{FF2B5EF4-FFF2-40B4-BE49-F238E27FC236}">
-                  <a16:creationId xmlns="" xmlns:a16="http://schemas.microsoft.com/office/drawing/2014/main" id="{E21A33CE-F900-4D78-8F85-8F6E6FF37086}"/>
+                  <a16:creationId xmlns:a16="http://schemas.microsoft.com/office/drawing/2014/main" xmlns="" id="{E21A33CE-F900-4D78-8F85-8F6E6FF37086}"/>
                 </a:ext>
               </a:extLst>
             </p:cNvPr>
@@ -16513,7 +16505,7 @@
               <p:cNvPr id="29" name="TextBox 28">
                 <a:extLst>
                   <a:ext uri="{FF2B5EF4-FFF2-40B4-BE49-F238E27FC236}">
-                    <a16:creationId xmlns="" xmlns:a16="http://schemas.microsoft.com/office/drawing/2014/main" id="{956F51EA-DA73-4F0C-9010-8690AFEA04CF}"/>
+                    <a16:creationId xmlns:a16="http://schemas.microsoft.com/office/drawing/2014/main" xmlns="" id="{956F51EA-DA73-4F0C-9010-8690AFEA04CF}"/>
                   </a:ext>
                 </a:extLst>
               </p:cNvPr>
@@ -16565,7 +16557,7 @@
               <p:cNvPr id="30" name="직사각형 29">
                 <a:extLst>
                   <a:ext uri="{FF2B5EF4-FFF2-40B4-BE49-F238E27FC236}">
-                    <a16:creationId xmlns="" xmlns:a16="http://schemas.microsoft.com/office/drawing/2014/main" id="{C3B36BA3-E911-4770-A4C5-D6DE122CF859}"/>
+                    <a16:creationId xmlns:a16="http://schemas.microsoft.com/office/drawing/2014/main" xmlns="" id="{C3B36BA3-E911-4770-A4C5-D6DE122CF859}"/>
                   </a:ext>
                 </a:extLst>
               </p:cNvPr>
@@ -16619,7 +16611,7 @@
           <p:cNvPr id="39" name="그룹 38">
             <a:extLst>
               <a:ext uri="{FF2B5EF4-FFF2-40B4-BE49-F238E27FC236}">
-                <a16:creationId xmlns="" xmlns:a16="http://schemas.microsoft.com/office/drawing/2014/main" id="{33CFAF8A-110B-4C49-9A57-E134A88AE1A0}"/>
+                <a16:creationId xmlns:a16="http://schemas.microsoft.com/office/drawing/2014/main" xmlns="" id="{33CFAF8A-110B-4C49-9A57-E134A88AE1A0}"/>
               </a:ext>
             </a:extLst>
           </p:cNvPr>
@@ -16639,7 +16631,7 @@
             <p:cNvPr id="40" name="Picture 2" descr="vue.js에 대한 이미지 검색결과">
               <a:extLst>
                 <a:ext uri="{FF2B5EF4-FFF2-40B4-BE49-F238E27FC236}">
-                  <a16:creationId xmlns="" xmlns:a16="http://schemas.microsoft.com/office/drawing/2014/main" id="{397CC31A-6589-4EC1-A065-0347628D757E}"/>
+                  <a16:creationId xmlns:a16="http://schemas.microsoft.com/office/drawing/2014/main" xmlns="" id="{397CC31A-6589-4EC1-A065-0347628D757E}"/>
                 </a:ext>
               </a:extLst>
             </p:cNvPr>
@@ -16695,7 +16687,7 @@
             <p:cNvPr id="41" name="Picture 4" descr="express.js에 대한 이미지 검색결과">
               <a:extLst>
                 <a:ext uri="{FF2B5EF4-FFF2-40B4-BE49-F238E27FC236}">
-                  <a16:creationId xmlns="" xmlns:a16="http://schemas.microsoft.com/office/drawing/2014/main" id="{FD1F0598-D2F7-4C36-88F2-B63141D42A07}"/>
+                  <a16:creationId xmlns:a16="http://schemas.microsoft.com/office/drawing/2014/main" xmlns="" id="{FD1F0598-D2F7-4C36-88F2-B63141D42A07}"/>
                 </a:ext>
               </a:extLst>
             </p:cNvPr>
@@ -16751,7 +16743,7 @@
             <p:cNvPr id="42" name="Picture 6" descr="firebase에 대한 이미지 검색결과">
               <a:extLst>
                 <a:ext uri="{FF2B5EF4-FFF2-40B4-BE49-F238E27FC236}">
-                  <a16:creationId xmlns="" xmlns:a16="http://schemas.microsoft.com/office/drawing/2014/main" id="{8AB12EAC-5E43-4C9D-B22C-76360AADF617}"/>
+                  <a16:creationId xmlns:a16="http://schemas.microsoft.com/office/drawing/2014/main" xmlns="" id="{8AB12EAC-5E43-4C9D-B22C-76360AADF617}"/>
                 </a:ext>
               </a:extLst>
             </p:cNvPr>
@@ -16807,7 +16799,7 @@
             <p:cNvPr id="43" name="Picture 8" descr="관련 이미지">
               <a:extLst>
                 <a:ext uri="{FF2B5EF4-FFF2-40B4-BE49-F238E27FC236}">
-                  <a16:creationId xmlns="" xmlns:a16="http://schemas.microsoft.com/office/drawing/2014/main" id="{06234A0A-A648-41F2-9238-B50A1D0CF484}"/>
+                  <a16:creationId xmlns:a16="http://schemas.microsoft.com/office/drawing/2014/main" xmlns="" id="{06234A0A-A648-41F2-9238-B50A1D0CF484}"/>
                 </a:ext>
               </a:extLst>
             </p:cNvPr>
@@ -16864,7 +16856,7 @@
           <p:cNvPr id="44" name="그룹 43">
             <a:extLst>
               <a:ext uri="{FF2B5EF4-FFF2-40B4-BE49-F238E27FC236}">
-                <a16:creationId xmlns="" xmlns:a16="http://schemas.microsoft.com/office/drawing/2014/main" id="{E52CA5C8-29CD-4935-ADB2-43D06199111E}"/>
+                <a16:creationId xmlns:a16="http://schemas.microsoft.com/office/drawing/2014/main" xmlns="" id="{E52CA5C8-29CD-4935-ADB2-43D06199111E}"/>
               </a:ext>
             </a:extLst>
           </p:cNvPr>
@@ -16884,7 +16876,7 @@
             <p:cNvPr id="45" name="그룹 44">
               <a:extLst>
                 <a:ext uri="{FF2B5EF4-FFF2-40B4-BE49-F238E27FC236}">
-                  <a16:creationId xmlns="" xmlns:a16="http://schemas.microsoft.com/office/drawing/2014/main" id="{CDD86CAB-D55E-4823-8D5D-CFB210F706D6}"/>
+                  <a16:creationId xmlns:a16="http://schemas.microsoft.com/office/drawing/2014/main" xmlns="" id="{CDD86CAB-D55E-4823-8D5D-CFB210F706D6}"/>
                 </a:ext>
               </a:extLst>
             </p:cNvPr>
@@ -16904,7 +16896,7 @@
               <p:cNvPr id="57" name="TextBox 56">
                 <a:extLst>
                   <a:ext uri="{FF2B5EF4-FFF2-40B4-BE49-F238E27FC236}">
-                    <a16:creationId xmlns="" xmlns:a16="http://schemas.microsoft.com/office/drawing/2014/main" id="{7363B6D2-2855-41F0-8989-C2EEB27AE742}"/>
+                    <a16:creationId xmlns:a16="http://schemas.microsoft.com/office/drawing/2014/main" xmlns="" id="{7363B6D2-2855-41F0-8989-C2EEB27AE742}"/>
                   </a:ext>
                 </a:extLst>
               </p:cNvPr>
@@ -16948,7 +16940,7 @@
               <p:cNvPr id="58" name="직사각형 57">
                 <a:extLst>
                   <a:ext uri="{FF2B5EF4-FFF2-40B4-BE49-F238E27FC236}">
-                    <a16:creationId xmlns="" xmlns:a16="http://schemas.microsoft.com/office/drawing/2014/main" id="{8204F0B8-C134-4D57-95F8-322E29E875AA}"/>
+                    <a16:creationId xmlns:a16="http://schemas.microsoft.com/office/drawing/2014/main" xmlns="" id="{8204F0B8-C134-4D57-95F8-322E29E875AA}"/>
                   </a:ext>
                 </a:extLst>
               </p:cNvPr>
@@ -17001,7 +16993,7 @@
             <p:cNvPr id="46" name="그룹 45">
               <a:extLst>
                 <a:ext uri="{FF2B5EF4-FFF2-40B4-BE49-F238E27FC236}">
-                  <a16:creationId xmlns="" xmlns:a16="http://schemas.microsoft.com/office/drawing/2014/main" id="{6473D6CB-5AE4-4C20-B9DE-6280DF3DA8A0}"/>
+                  <a16:creationId xmlns:a16="http://schemas.microsoft.com/office/drawing/2014/main" xmlns="" id="{6473D6CB-5AE4-4C20-B9DE-6280DF3DA8A0}"/>
                 </a:ext>
               </a:extLst>
             </p:cNvPr>
@@ -17021,7 +17013,7 @@
               <p:cNvPr id="47" name="그룹 46">
                 <a:extLst>
                   <a:ext uri="{FF2B5EF4-FFF2-40B4-BE49-F238E27FC236}">
-                    <a16:creationId xmlns="" xmlns:a16="http://schemas.microsoft.com/office/drawing/2014/main" id="{4135337A-BFE9-4B25-A605-D2CED49207C9}"/>
+                    <a16:creationId xmlns:a16="http://schemas.microsoft.com/office/drawing/2014/main" xmlns="" id="{4135337A-BFE9-4B25-A605-D2CED49207C9}"/>
                   </a:ext>
                 </a:extLst>
               </p:cNvPr>
@@ -17041,7 +17033,7 @@
                 <p:cNvPr id="55" name="TextBox 54">
                   <a:extLst>
                     <a:ext uri="{FF2B5EF4-FFF2-40B4-BE49-F238E27FC236}">
-                      <a16:creationId xmlns="" xmlns:a16="http://schemas.microsoft.com/office/drawing/2014/main" id="{7B07A7D5-A2AA-41BB-B126-FDB3B4FDE334}"/>
+                      <a16:creationId xmlns:a16="http://schemas.microsoft.com/office/drawing/2014/main" xmlns="" id="{7B07A7D5-A2AA-41BB-B126-FDB3B4FDE334}"/>
                     </a:ext>
                   </a:extLst>
                 </p:cNvPr>
@@ -17085,7 +17077,7 @@
                 <p:cNvPr id="56" name="직사각형 55">
                   <a:extLst>
                     <a:ext uri="{FF2B5EF4-FFF2-40B4-BE49-F238E27FC236}">
-                      <a16:creationId xmlns="" xmlns:a16="http://schemas.microsoft.com/office/drawing/2014/main" id="{ABAC69A7-513D-4F94-9EB4-43BB1B6FD11A}"/>
+                      <a16:creationId xmlns:a16="http://schemas.microsoft.com/office/drawing/2014/main" xmlns="" id="{ABAC69A7-513D-4F94-9EB4-43BB1B6FD11A}"/>
                     </a:ext>
                   </a:extLst>
                 </p:cNvPr>
@@ -17138,7 +17130,7 @@
               <p:cNvPr id="48" name="그룹 47">
                 <a:extLst>
                   <a:ext uri="{FF2B5EF4-FFF2-40B4-BE49-F238E27FC236}">
-                    <a16:creationId xmlns="" xmlns:a16="http://schemas.microsoft.com/office/drawing/2014/main" id="{0E443B2B-8402-49D8-8174-3C74D3A20402}"/>
+                    <a16:creationId xmlns:a16="http://schemas.microsoft.com/office/drawing/2014/main" xmlns="" id="{0E443B2B-8402-49D8-8174-3C74D3A20402}"/>
                   </a:ext>
                 </a:extLst>
               </p:cNvPr>
@@ -17158,7 +17150,7 @@
                 <p:cNvPr id="52" name="TextBox 51">
                   <a:extLst>
                     <a:ext uri="{FF2B5EF4-FFF2-40B4-BE49-F238E27FC236}">
-                      <a16:creationId xmlns="" xmlns:a16="http://schemas.microsoft.com/office/drawing/2014/main" id="{32F36BA6-6CCB-4BEE-BA04-6AFA67BEFB61}"/>
+                      <a16:creationId xmlns:a16="http://schemas.microsoft.com/office/drawing/2014/main" xmlns="" id="{32F36BA6-6CCB-4BEE-BA04-6AFA67BEFB61}"/>
                     </a:ext>
                   </a:extLst>
                 </p:cNvPr>
@@ -17210,7 +17202,7 @@
                 <p:cNvPr id="53" name="직사각형 52">
                   <a:extLst>
                     <a:ext uri="{FF2B5EF4-FFF2-40B4-BE49-F238E27FC236}">
-                      <a16:creationId xmlns="" xmlns:a16="http://schemas.microsoft.com/office/drawing/2014/main" id="{2EB31784-7842-4042-93CF-1AE993592FC8}"/>
+                      <a16:creationId xmlns:a16="http://schemas.microsoft.com/office/drawing/2014/main" xmlns="" id="{2EB31784-7842-4042-93CF-1AE993592FC8}"/>
                     </a:ext>
                   </a:extLst>
                 </p:cNvPr>
@@ -17263,7 +17255,7 @@
               <p:cNvPr id="49" name="그룹 48">
                 <a:extLst>
                   <a:ext uri="{FF2B5EF4-FFF2-40B4-BE49-F238E27FC236}">
-                    <a16:creationId xmlns="" xmlns:a16="http://schemas.microsoft.com/office/drawing/2014/main" id="{0AEAF5BB-F479-4844-BD42-D100A147E57D}"/>
+                    <a16:creationId xmlns:a16="http://schemas.microsoft.com/office/drawing/2014/main" xmlns="" id="{0AEAF5BB-F479-4844-BD42-D100A147E57D}"/>
                   </a:ext>
                 </a:extLst>
               </p:cNvPr>
@@ -17283,7 +17275,7 @@
                 <p:cNvPr id="50" name="TextBox 49">
                   <a:extLst>
                     <a:ext uri="{FF2B5EF4-FFF2-40B4-BE49-F238E27FC236}">
-                      <a16:creationId xmlns="" xmlns:a16="http://schemas.microsoft.com/office/drawing/2014/main" id="{0A53DB07-FCAA-4BE2-A39E-0495F403E3C3}"/>
+                      <a16:creationId xmlns:a16="http://schemas.microsoft.com/office/drawing/2014/main" xmlns="" id="{0A53DB07-FCAA-4BE2-A39E-0495F403E3C3}"/>
                     </a:ext>
                   </a:extLst>
                 </p:cNvPr>
@@ -17335,7 +17327,7 @@
                 <p:cNvPr id="51" name="직사각형 50">
                   <a:extLst>
                     <a:ext uri="{FF2B5EF4-FFF2-40B4-BE49-F238E27FC236}">
-                      <a16:creationId xmlns="" xmlns:a16="http://schemas.microsoft.com/office/drawing/2014/main" id="{9610AA2A-7DC7-4399-9AB8-80B97E2B826A}"/>
+                      <a16:creationId xmlns:a16="http://schemas.microsoft.com/office/drawing/2014/main" xmlns="" id="{9610AA2A-7DC7-4399-9AB8-80B97E2B826A}"/>
                     </a:ext>
                   </a:extLst>
                 </p:cNvPr>
@@ -17475,7 +17467,7 @@
           <p:cNvPr id="15" name="TextBox 14">
             <a:extLst>
               <a:ext uri="{FF2B5EF4-FFF2-40B4-BE49-F238E27FC236}">
-                <a16:creationId xmlns="" xmlns:a16="http://schemas.microsoft.com/office/drawing/2014/main" id="{7ADFF66A-F81C-4568-8F9E-37AF2FE5E09E}"/>
+                <a16:creationId xmlns:a16="http://schemas.microsoft.com/office/drawing/2014/main" xmlns="" id="{7ADFF66A-F81C-4568-8F9E-37AF2FE5E09E}"/>
               </a:ext>
             </a:extLst>
           </p:cNvPr>
@@ -17517,7 +17509,7 @@
           <p:cNvPr id="68" name="그룹 67">
             <a:extLst>
               <a:ext uri="{FF2B5EF4-FFF2-40B4-BE49-F238E27FC236}">
-                <a16:creationId xmlns="" xmlns:a16="http://schemas.microsoft.com/office/drawing/2014/main" id="{647FDAC2-1151-471B-9482-506B4E2124D9}"/>
+                <a16:creationId xmlns:a16="http://schemas.microsoft.com/office/drawing/2014/main" xmlns="" id="{647FDAC2-1151-471B-9482-506B4E2124D9}"/>
               </a:ext>
             </a:extLst>
           </p:cNvPr>
@@ -17537,7 +17529,7 @@
             <p:cNvPr id="69" name="사각형: 둥근 모서리 8">
               <a:extLst>
                 <a:ext uri="{FF2B5EF4-FFF2-40B4-BE49-F238E27FC236}">
-                  <a16:creationId xmlns="" xmlns:a16="http://schemas.microsoft.com/office/drawing/2014/main" id="{38139985-F140-4CA5-9BDD-3E19C5EE5EEF}"/>
+                  <a16:creationId xmlns:a16="http://schemas.microsoft.com/office/drawing/2014/main" xmlns="" id="{38139985-F140-4CA5-9BDD-3E19C5EE5EEF}"/>
                 </a:ext>
               </a:extLst>
             </p:cNvPr>
@@ -17698,7 +17690,7 @@
             <p:cNvPr id="70" name="TextBox 69">
               <a:extLst>
                 <a:ext uri="{FF2B5EF4-FFF2-40B4-BE49-F238E27FC236}">
-                  <a16:creationId xmlns="" xmlns:a16="http://schemas.microsoft.com/office/drawing/2014/main" id="{4B2C723F-6E76-408B-9E69-AD3EA5D1DFD1}"/>
+                  <a16:creationId xmlns:a16="http://schemas.microsoft.com/office/drawing/2014/main" xmlns="" id="{4B2C723F-6E76-408B-9E69-AD3EA5D1DFD1}"/>
                 </a:ext>
               </a:extLst>
             </p:cNvPr>
@@ -17743,7 +17735,7 @@
           <p:cNvPr id="71" name="그룹 70">
             <a:extLst>
               <a:ext uri="{FF2B5EF4-FFF2-40B4-BE49-F238E27FC236}">
-                <a16:creationId xmlns="" xmlns:a16="http://schemas.microsoft.com/office/drawing/2014/main" id="{D50395BF-947B-4541-8EE1-67B47E2817C7}"/>
+                <a16:creationId xmlns:a16="http://schemas.microsoft.com/office/drawing/2014/main" xmlns="" id="{D50395BF-947B-4541-8EE1-67B47E2817C7}"/>
               </a:ext>
             </a:extLst>
           </p:cNvPr>
@@ -17763,7 +17755,7 @@
             <p:cNvPr id="72" name="사각형: 둥근 모서리 20">
               <a:extLst>
                 <a:ext uri="{FF2B5EF4-FFF2-40B4-BE49-F238E27FC236}">
-                  <a16:creationId xmlns="" xmlns:a16="http://schemas.microsoft.com/office/drawing/2014/main" id="{2D7D9A8B-7888-456E-B24F-4325D8824908}"/>
+                  <a16:creationId xmlns:a16="http://schemas.microsoft.com/office/drawing/2014/main" xmlns="" id="{2D7D9A8B-7888-456E-B24F-4325D8824908}"/>
                 </a:ext>
               </a:extLst>
             </p:cNvPr>
@@ -18089,7 +18081,7 @@
             <p:cNvPr id="73" name="TextBox 72">
               <a:extLst>
                 <a:ext uri="{FF2B5EF4-FFF2-40B4-BE49-F238E27FC236}">
-                  <a16:creationId xmlns="" xmlns:a16="http://schemas.microsoft.com/office/drawing/2014/main" id="{E544C34D-FADD-43DA-98CE-2F6B9B44BCF2}"/>
+                  <a16:creationId xmlns:a16="http://schemas.microsoft.com/office/drawing/2014/main" xmlns="" id="{E544C34D-FADD-43DA-98CE-2F6B9B44BCF2}"/>
                 </a:ext>
               </a:extLst>
             </p:cNvPr>
@@ -18134,7 +18126,7 @@
           <p:cNvPr id="74" name="그룹 73">
             <a:extLst>
               <a:ext uri="{FF2B5EF4-FFF2-40B4-BE49-F238E27FC236}">
-                <a16:creationId xmlns="" xmlns:a16="http://schemas.microsoft.com/office/drawing/2014/main" id="{DB47AC19-6E33-49BE-A286-5815165FDFE8}"/>
+                <a16:creationId xmlns:a16="http://schemas.microsoft.com/office/drawing/2014/main" xmlns="" id="{DB47AC19-6E33-49BE-A286-5815165FDFE8}"/>
               </a:ext>
             </a:extLst>
           </p:cNvPr>
@@ -18154,7 +18146,7 @@
             <p:cNvPr id="75" name="사각형: 둥근 모서리 26">
               <a:extLst>
                 <a:ext uri="{FF2B5EF4-FFF2-40B4-BE49-F238E27FC236}">
-                  <a16:creationId xmlns="" xmlns:a16="http://schemas.microsoft.com/office/drawing/2014/main" id="{661E1ED7-E128-43B1-A3F9-C5B17DA464CD}"/>
+                  <a16:creationId xmlns:a16="http://schemas.microsoft.com/office/drawing/2014/main" xmlns="" id="{661E1ED7-E128-43B1-A3F9-C5B17DA464CD}"/>
                 </a:ext>
               </a:extLst>
             </p:cNvPr>
@@ -18295,7 +18287,7 @@
             <p:cNvPr id="76" name="TextBox 75">
               <a:extLst>
                 <a:ext uri="{FF2B5EF4-FFF2-40B4-BE49-F238E27FC236}">
-                  <a16:creationId xmlns="" xmlns:a16="http://schemas.microsoft.com/office/drawing/2014/main" id="{64950E66-0A38-4848-9E77-79D7B03F5B1B}"/>
+                  <a16:creationId xmlns:a16="http://schemas.microsoft.com/office/drawing/2014/main" xmlns="" id="{64950E66-0A38-4848-9E77-79D7B03F5B1B}"/>
                 </a:ext>
               </a:extLst>
             </p:cNvPr>
